--- a/PythonInFourHours.pptx
+++ b/PythonInFourHours.pptx
@@ -238,7 +238,7 @@
           <a:p>
             <a:fld id="{06131261-EB6D-4E52-8306-684273A0E8E5}" type="datetimeFigureOut">
               <a:rPr lang="en-US" smtClean="0"/>
-              <a:t>6/18/2020</a:t>
+              <a:t>7/21/2020</a:t>
             </a:fld>
             <a:endParaRPr lang="en-US" dirty="0"/>
           </a:p>
@@ -667,7 +667,7 @@
           <a:p>
             <a:fld id="{680B3109-BDAB-4DB0-9EAE-12F89DB397F8}" type="datetime1">
               <a:rPr lang="en-US" smtClean="0"/>
-              <a:t>6/18/2020</a:t>
+              <a:t>7/21/2020</a:t>
             </a:fld>
             <a:endParaRPr lang="en-US" dirty="0"/>
           </a:p>
@@ -10349,7 +10349,7 @@
           <a:p>
             <a:fld id="{01209F9F-9DA8-4309-9952-B08D7FC79890}" type="datetime1">
               <a:rPr lang="en-US" smtClean="0"/>
-              <a:t>6/18/2020</a:t>
+              <a:t>7/21/2020</a:t>
             </a:fld>
             <a:endParaRPr lang="en-US" dirty="0"/>
           </a:p>
@@ -10545,7 +10545,7 @@
           <a:p>
             <a:fld id="{86F2C0AD-8740-442A-A6F6-1C26CDC967F2}" type="datetime1">
               <a:rPr lang="en-US" smtClean="0"/>
-              <a:t>6/18/2020</a:t>
+              <a:t>7/21/2020</a:t>
             </a:fld>
             <a:endParaRPr lang="en-US" dirty="0"/>
           </a:p>
@@ -10753,7 +10753,7 @@
           <a:p>
             <a:fld id="{34B7040E-FAAF-49CD-B602-5650762936C7}" type="datetime1">
               <a:rPr lang="en-US" smtClean="0"/>
-              <a:t>6/18/2020</a:t>
+              <a:t>7/21/2020</a:t>
             </a:fld>
             <a:endParaRPr lang="en-US" dirty="0"/>
           </a:p>
@@ -10962,7 +10962,7 @@
           <a:p>
             <a:fld id="{8233D0FC-DFBC-418D-A5EE-7CAE48028EE9}" type="datetime1">
               <a:rPr lang="en-US" smtClean="0"/>
-              <a:t>6/18/2020</a:t>
+              <a:t>7/21/2020</a:t>
             </a:fld>
             <a:endParaRPr lang="en-US" dirty="0"/>
           </a:p>
@@ -11272,7 +11272,7 @@
           <a:p>
             <a:fld id="{71C8E59B-77D2-4F7C-98FF-22D13DE83716}" type="datetime1">
               <a:rPr lang="en-US" smtClean="0"/>
-              <a:t>6/18/2020</a:t>
+              <a:t>7/21/2020</a:t>
             </a:fld>
             <a:endParaRPr lang="en-US" dirty="0"/>
           </a:p>
@@ -11714,7 +11714,7 @@
           <a:p>
             <a:fld id="{27EC7EF0-5627-4E27-8E8A-0D0CDA22D1CD}" type="datetime1">
               <a:rPr lang="en-US" smtClean="0"/>
-              <a:t>6/18/2020</a:t>
+              <a:t>7/21/2020</a:t>
             </a:fld>
             <a:endParaRPr lang="en-US" dirty="0"/>
           </a:p>
@@ -11854,7 +11854,7 @@
           <a:p>
             <a:fld id="{9810866E-90B7-4D10-AED2-874B628E3903}" type="datetime1">
               <a:rPr lang="en-US" smtClean="0"/>
-              <a:t>6/18/2020</a:t>
+              <a:t>7/21/2020</a:t>
             </a:fld>
             <a:endParaRPr lang="en-US" dirty="0"/>
           </a:p>
@@ -11967,7 +11967,7 @@
           <a:p>
             <a:fld id="{E71800EE-4310-48FC-918E-5983EF73C8FD}" type="datetime1">
               <a:rPr lang="en-US" smtClean="0"/>
-              <a:t>6/18/2020</a:t>
+              <a:t>7/21/2020</a:t>
             </a:fld>
             <a:endParaRPr lang="en-US" dirty="0"/>
           </a:p>
@@ -12260,7 +12260,7 @@
           <a:p>
             <a:fld id="{6D8D0127-9BB5-4977-A636-E686686735D9}" type="datetime1">
               <a:rPr lang="en-US" smtClean="0"/>
-              <a:t>6/18/2020</a:t>
+              <a:t>7/21/2020</a:t>
             </a:fld>
             <a:endParaRPr lang="en-US" dirty="0"/>
           </a:p>
@@ -12534,7 +12534,7 @@
           <a:p>
             <a:fld id="{EAD536CE-118C-49F1-874D-CE368F90F963}" type="datetime1">
               <a:rPr lang="en-US" smtClean="0"/>
-              <a:t>6/18/2020</a:t>
+              <a:t>7/21/2020</a:t>
             </a:fld>
             <a:endParaRPr lang="en-US" dirty="0"/>
           </a:p>
@@ -12822,7 +12822,7 @@
           <a:p>
             <a:fld id="{4715A838-28E5-49B8-A597-F859C17FF238}" type="datetime1">
               <a:rPr lang="en-US" smtClean="0"/>
-              <a:t>6/18/2020</a:t>
+              <a:t>7/21/2020</a:t>
             </a:fld>
             <a:endParaRPr lang="en-US" dirty="0"/>
           </a:p>
@@ -23300,7 +23300,15 @@
           <a:p>
             <a:r>
               <a:rPr lang="en-US" dirty="0"/>
-              <a:t>A engine interprets Python text statements for the CPU</a:t>
+              <a:t>An engine interprets </a:t>
+            </a:r>
+            <a:r>
+              <a:rPr lang="en-US"/>
+              <a:t>Python statements </a:t>
+            </a:r>
+            <a:r>
+              <a:rPr lang="en-US" dirty="0"/>
+              <a:t>for the CPU</a:t>
             </a:r>
           </a:p>
           <a:p>
@@ -23642,16 +23650,15 @@
           </p:cNvPicPr>
           <p:nvPr/>
         </p:nvPicPr>
-        <p:blipFill>
+        <p:blipFill rotWithShape="1">
           <a:blip r:embed="rId3"/>
-          <a:stretch>
-            <a:fillRect/>
-          </a:stretch>
+          <a:srcRect t="6866" b="4413"/>
+          <a:stretch/>
         </p:blipFill>
         <p:spPr>
           <a:xfrm>
-            <a:off x="1048837" y="3307763"/>
-            <a:ext cx="10181390" cy="2992503"/>
+            <a:off x="1048837" y="3785940"/>
+            <a:ext cx="10181390" cy="2654965"/>
           </a:xfrm>
           <a:prstGeom prst="rect">
             <a:avLst/>

--- a/PythonInFourHours.pptx
+++ b/PythonInFourHours.pptx
@@ -13,11 +13,11 @@
     <p:sldId id="261" r:id="rId4"/>
     <p:sldId id="271" r:id="rId5"/>
     <p:sldId id="269" r:id="rId6"/>
-    <p:sldId id="270" r:id="rId7"/>
-    <p:sldId id="267" r:id="rId8"/>
-    <p:sldId id="268" r:id="rId9"/>
-    <p:sldId id="264" r:id="rId10"/>
-    <p:sldId id="265" r:id="rId11"/>
+    <p:sldId id="267" r:id="rId7"/>
+    <p:sldId id="268" r:id="rId8"/>
+    <p:sldId id="270" r:id="rId9"/>
+    <p:sldId id="272" r:id="rId10"/>
+    <p:sldId id="273" r:id="rId11"/>
     <p:sldId id="266" r:id="rId12"/>
     <p:sldId id="260" r:id="rId13"/>
   </p:sldIdLst>
@@ -21923,8 +21923,43 @@
           <a:p>
             <a:r>
               <a:rPr lang="en-US" dirty="0"/>
-              <a:t>Jupyter</a:t>
+              <a:t>Installing Python</a:t>
             </a:r>
+          </a:p>
+        </p:txBody>
+      </p:sp>
+      <p:sp>
+        <p:nvSpPr>
+          <p:cNvPr id="3" name="Content Placeholder 2"/>
+          <p:cNvSpPr>
+            <a:spLocks noGrp="1"/>
+          </p:cNvSpPr>
+          <p:nvPr>
+            <p:ph idx="1"/>
+          </p:nvPr>
+        </p:nvSpPr>
+        <p:spPr>
+          <a:xfrm>
+            <a:off x="1219200" y="1447800"/>
+            <a:ext cx="10596438" cy="4678363"/>
+          </a:xfrm>
+        </p:spPr>
+        <p:txBody>
+          <a:bodyPr/>
+          <a:lstStyle/>
+          <a:p>
+            <a:pPr>
+              <a:spcBef>
+                <a:spcPts val="0"/>
+              </a:spcBef>
+            </a:pPr>
+            <a:r>
+              <a:rPr lang="en-US" dirty="0"/>
+              <a:t>Execute a program</a:t>
+            </a:r>
+          </a:p>
+          <a:p>
+            <a:endParaRPr lang="en-US" dirty="0"/>
           </a:p>
         </p:txBody>
       </p:sp>
@@ -21951,37 +21986,12 @@
           </a:p>
         </p:txBody>
       </p:sp>
-      <p:sp>
-        <p:nvSpPr>
-          <p:cNvPr id="3" name="Content Placeholder 2">
+      <p:pic>
+        <p:nvPicPr>
+          <p:cNvPr id="5" name="Picture 4">
             <a:extLst>
               <a:ext uri="{FF2B5EF4-FFF2-40B4-BE49-F238E27FC236}">
-                <a16:creationId xmlns:a16="http://schemas.microsoft.com/office/drawing/2014/main" id="{BEB010F1-2E8A-4BAC-87E8-EC3C6801657F}"/>
-              </a:ext>
-            </a:extLst>
-          </p:cNvPr>
-          <p:cNvSpPr>
-            <a:spLocks noGrp="1"/>
-          </p:cNvSpPr>
-          <p:nvPr>
-            <p:ph idx="1"/>
-          </p:nvPr>
-        </p:nvSpPr>
-        <p:spPr/>
-        <p:txBody>
-          <a:bodyPr/>
-          <a:lstStyle/>
-          <a:p>
-            <a:endParaRPr lang="en-US" dirty="0"/>
-          </a:p>
-        </p:txBody>
-      </p:sp>
-      <p:pic>
-        <p:nvPicPr>
-          <p:cNvPr id="7" name="Picture 6">
-            <a:extLst>
-              <a:ext uri="{FF2B5EF4-FFF2-40B4-BE49-F238E27FC236}">
-                <a16:creationId xmlns:a16="http://schemas.microsoft.com/office/drawing/2014/main" id="{69475751-FA11-4E96-8FF9-7C3CC4165541}"/>
+                <a16:creationId xmlns:a16="http://schemas.microsoft.com/office/drawing/2014/main" id="{72D4393A-FBBD-4412-B419-A0C08B49B5D6}"/>
               </a:ext>
             </a:extLst>
           </p:cNvPr>
@@ -21990,16 +22000,15 @@
           </p:cNvPicPr>
           <p:nvPr/>
         </p:nvPicPr>
-        <p:blipFill>
+        <p:blipFill rotWithShape="1">
           <a:blip r:embed="rId2"/>
-          <a:stretch>
-            <a:fillRect/>
-          </a:stretch>
+          <a:srcRect t="6866" b="4413"/>
+          <a:stretch/>
         </p:blipFill>
         <p:spPr>
           <a:xfrm>
-            <a:off x="1427585" y="1186154"/>
-            <a:ext cx="9144000" cy="5143500"/>
+            <a:off x="1048837" y="2494557"/>
+            <a:ext cx="10181390" cy="2654965"/>
           </a:xfrm>
           <a:prstGeom prst="rect">
             <a:avLst/>
@@ -22009,7 +22018,7 @@
     </p:spTree>
     <p:extLst>
       <p:ext uri="{BB962C8B-B14F-4D97-AF65-F5344CB8AC3E}">
-        <p14:creationId xmlns:p14="http://schemas.microsoft.com/office/powerpoint/2010/main" val="387677189"/>
+        <p14:creationId xmlns:p14="http://schemas.microsoft.com/office/powerpoint/2010/main" val="1767168824"/>
       </p:ext>
     </p:extLst>
   </p:cSld>
@@ -23300,15 +23309,7 @@
           <a:p>
             <a:r>
               <a:rPr lang="en-US" dirty="0"/>
-              <a:t>An engine interprets </a:t>
-            </a:r>
-            <a:r>
-              <a:rPr lang="en-US"/>
-              <a:t>Python statements </a:t>
-            </a:r>
-            <a:r>
-              <a:rPr lang="en-US" dirty="0"/>
-              <a:t>for the CPU</a:t>
+              <a:t>An engine interprets Python statements for the CPU</a:t>
             </a:r>
           </a:p>
           <a:p>
@@ -23530,188 +23531,6 @@
           <a:p>
             <a:r>
               <a:rPr lang="en-US" dirty="0"/>
-              <a:t>How Do We Do Python?</a:t>
-            </a:r>
-          </a:p>
-        </p:txBody>
-      </p:sp>
-      <p:sp>
-        <p:nvSpPr>
-          <p:cNvPr id="3" name="Content Placeholder 2"/>
-          <p:cNvSpPr>
-            <a:spLocks noGrp="1"/>
-          </p:cNvSpPr>
-          <p:nvPr>
-            <p:ph idx="1"/>
-          </p:nvPr>
-        </p:nvSpPr>
-        <p:spPr>
-          <a:xfrm>
-            <a:off x="1219200" y="1447800"/>
-            <a:ext cx="10596438" cy="4678363"/>
-          </a:xfrm>
-        </p:spPr>
-        <p:txBody>
-          <a:bodyPr/>
-          <a:lstStyle/>
-          <a:p>
-            <a:pPr>
-              <a:spcBef>
-                <a:spcPts val="0"/>
-              </a:spcBef>
-            </a:pPr>
-            <a:r>
-              <a:rPr lang="en-US" dirty="0">
-                <a:hlinkClick r:id="rId2"/>
-              </a:rPr>
-              <a:t>Installation instructions</a:t>
-            </a:r>
-            <a:endParaRPr lang="en-US" dirty="0"/>
-          </a:p>
-          <a:p>
-            <a:pPr>
-              <a:spcBef>
-                <a:spcPts val="0"/>
-              </a:spcBef>
-            </a:pPr>
-            <a:r>
-              <a:rPr lang="en-US" dirty="0"/>
-              <a:t>Open Jupyter </a:t>
-            </a:r>
-          </a:p>
-          <a:p>
-            <a:pPr>
-              <a:spcBef>
-                <a:spcPts val="0"/>
-              </a:spcBef>
-            </a:pPr>
-            <a:r>
-              <a:rPr lang="en-US" dirty="0"/>
-              <a:t>Open </a:t>
-            </a:r>
-            <a:r>
-              <a:rPr lang="en-US" dirty="0">
-                <a:latin typeface="Courier New" panose="02070309020205020404" pitchFamily="49" charset="0"/>
-                <a:cs typeface="Courier New" panose="02070309020205020404" pitchFamily="49" charset="0"/>
-              </a:rPr>
-              <a:t>Python101MSBI.ipynb</a:t>
-            </a:r>
-          </a:p>
-          <a:p>
-            <a:pPr>
-              <a:spcBef>
-                <a:spcPts val="0"/>
-              </a:spcBef>
-            </a:pPr>
-            <a:r>
-              <a:rPr lang="en-US" dirty="0"/>
-              <a:t>Execute a program</a:t>
-            </a:r>
-          </a:p>
-          <a:p>
-            <a:endParaRPr lang="en-US" dirty="0"/>
-          </a:p>
-        </p:txBody>
-      </p:sp>
-      <p:sp>
-        <p:nvSpPr>
-          <p:cNvPr id="4" name="Slide Number Placeholder 3"/>
-          <p:cNvSpPr>
-            <a:spLocks noGrp="1"/>
-          </p:cNvSpPr>
-          <p:nvPr>
-            <p:ph type="sldNum" sz="quarter" idx="12"/>
-          </p:nvPr>
-        </p:nvSpPr>
-        <p:spPr/>
-        <p:txBody>
-          <a:bodyPr/>
-          <a:lstStyle/>
-          <a:p>
-            <a:fld id="{4577FE26-ACD1-4964-932B-823877B1C5B5}" type="slidenum">
-              <a:rPr lang="en-US" smtClean="0"/>
-              <a:t>6</a:t>
-            </a:fld>
-            <a:endParaRPr lang="en-US" dirty="0"/>
-          </a:p>
-        </p:txBody>
-      </p:sp>
-      <p:pic>
-        <p:nvPicPr>
-          <p:cNvPr id="5" name="Picture 4">
-            <a:extLst>
-              <a:ext uri="{FF2B5EF4-FFF2-40B4-BE49-F238E27FC236}">
-                <a16:creationId xmlns:a16="http://schemas.microsoft.com/office/drawing/2014/main" id="{72D4393A-FBBD-4412-B419-A0C08B49B5D6}"/>
-              </a:ext>
-            </a:extLst>
-          </p:cNvPr>
-          <p:cNvPicPr>
-            <a:picLocks noChangeAspect="1"/>
-          </p:cNvPicPr>
-          <p:nvPr/>
-        </p:nvPicPr>
-        <p:blipFill rotWithShape="1">
-          <a:blip r:embed="rId3"/>
-          <a:srcRect t="6866" b="4413"/>
-          <a:stretch/>
-        </p:blipFill>
-        <p:spPr>
-          <a:xfrm>
-            <a:off x="1048837" y="3785940"/>
-            <a:ext cx="10181390" cy="2654965"/>
-          </a:xfrm>
-          <a:prstGeom prst="rect">
-            <a:avLst/>
-          </a:prstGeom>
-        </p:spPr>
-      </p:pic>
-    </p:spTree>
-    <p:extLst>
-      <p:ext uri="{BB962C8B-B14F-4D97-AF65-F5344CB8AC3E}">
-        <p14:creationId xmlns:p14="http://schemas.microsoft.com/office/powerpoint/2010/main" val="3295762390"/>
-      </p:ext>
-    </p:extLst>
-  </p:cSld>
-  <p:clrMapOvr>
-    <a:masterClrMapping/>
-  </p:clrMapOvr>
-</p:sld>
-</file>
-
-<file path=ppt/slides/slide7.xml><?xml version="1.0" encoding="utf-8"?>
-<p:sld xmlns:a="http://schemas.openxmlformats.org/drawingml/2006/main" xmlns:r="http://schemas.openxmlformats.org/officeDocument/2006/relationships" xmlns:p="http://schemas.openxmlformats.org/presentationml/2006/main">
-  <p:cSld>
-    <p:spTree>
-      <p:nvGrpSpPr>
-        <p:cNvPr id="1" name=""/>
-        <p:cNvGrpSpPr/>
-        <p:nvPr/>
-      </p:nvGrpSpPr>
-      <p:grpSpPr>
-        <a:xfrm>
-          <a:off x="0" y="0"/>
-          <a:ext cx="0" cy="0"/>
-          <a:chOff x="0" y="0"/>
-          <a:chExt cx="0" cy="0"/>
-        </a:xfrm>
-      </p:grpSpPr>
-      <p:sp>
-        <p:nvSpPr>
-          <p:cNvPr id="2" name="Title 1"/>
-          <p:cNvSpPr>
-            <a:spLocks noGrp="1"/>
-          </p:cNvSpPr>
-          <p:nvPr>
-            <p:ph type="title"/>
-          </p:nvPr>
-        </p:nvSpPr>
-        <p:spPr/>
-        <p:txBody>
-          <a:bodyPr/>
-          <a:lstStyle/>
-          <a:p>
-            <a:r>
-              <a:rPr lang="en-US" dirty="0"/>
               <a:t>Why Program, in Python?</a:t>
             </a:r>
           </a:p>
@@ -23843,7 +23662,7 @@
           <a:p>
             <a:fld id="{4577FE26-ACD1-4964-932B-823877B1C5B5}" type="slidenum">
               <a:rPr lang="en-US" smtClean="0"/>
-              <a:t>7</a:t>
+              <a:t>6</a:t>
             </a:fld>
             <a:endParaRPr lang="en-US" dirty="0"/>
           </a:p>
@@ -23862,7 +23681,7 @@
 </p:sld>
 </file>
 
-<file path=ppt/slides/slide8.xml><?xml version="1.0" encoding="utf-8"?>
+<file path=ppt/slides/slide7.xml><?xml version="1.0" encoding="utf-8"?>
 <p:sld xmlns:a="http://schemas.openxmlformats.org/drawingml/2006/main" xmlns:r="http://schemas.openxmlformats.org/officeDocument/2006/relationships" xmlns:p="http://schemas.openxmlformats.org/presentationml/2006/main">
   <p:cSld>
     <p:spTree>
@@ -23970,7 +23789,7 @@
           <a:p>
             <a:fld id="{4577FE26-ACD1-4964-932B-823877B1C5B5}" type="slidenum">
               <a:rPr lang="en-US" smtClean="0"/>
-              <a:t>8</a:t>
+              <a:t>7</a:t>
             </a:fld>
             <a:endParaRPr lang="en-US" dirty="0"/>
           </a:p>
@@ -24345,6 +24164,163 @@
 </p:sld>
 </file>
 
+<file path=ppt/slides/slide8.xml><?xml version="1.0" encoding="utf-8"?>
+<p:sld xmlns:a="http://schemas.openxmlformats.org/drawingml/2006/main" xmlns:r="http://schemas.openxmlformats.org/officeDocument/2006/relationships" xmlns:p="http://schemas.openxmlformats.org/presentationml/2006/main">
+  <p:cSld>
+    <p:spTree>
+      <p:nvGrpSpPr>
+        <p:cNvPr id="1" name=""/>
+        <p:cNvGrpSpPr/>
+        <p:nvPr/>
+      </p:nvGrpSpPr>
+      <p:grpSpPr>
+        <a:xfrm>
+          <a:off x="0" y="0"/>
+          <a:ext cx="0" cy="0"/>
+          <a:chOff x="0" y="0"/>
+          <a:chExt cx="0" cy="0"/>
+        </a:xfrm>
+      </p:grpSpPr>
+      <p:sp>
+        <p:nvSpPr>
+          <p:cNvPr id="2" name="Title 1"/>
+          <p:cNvSpPr>
+            <a:spLocks noGrp="1"/>
+          </p:cNvSpPr>
+          <p:nvPr>
+            <p:ph type="title"/>
+          </p:nvPr>
+        </p:nvSpPr>
+        <p:spPr/>
+        <p:txBody>
+          <a:bodyPr/>
+          <a:lstStyle/>
+          <a:p>
+            <a:r>
+              <a:rPr lang="en-US" dirty="0"/>
+              <a:t>Installing Python</a:t>
+            </a:r>
+          </a:p>
+        </p:txBody>
+      </p:sp>
+      <p:sp>
+        <p:nvSpPr>
+          <p:cNvPr id="3" name="Content Placeholder 2"/>
+          <p:cNvSpPr>
+            <a:spLocks noGrp="1"/>
+          </p:cNvSpPr>
+          <p:nvPr>
+            <p:ph idx="1"/>
+          </p:nvPr>
+        </p:nvSpPr>
+        <p:spPr>
+          <a:xfrm>
+            <a:off x="1219200" y="1447800"/>
+            <a:ext cx="10596438" cy="4678363"/>
+          </a:xfrm>
+        </p:spPr>
+        <p:txBody>
+          <a:bodyPr/>
+          <a:lstStyle/>
+          <a:p>
+            <a:pPr>
+              <a:spcBef>
+                <a:spcPts val="0"/>
+              </a:spcBef>
+            </a:pPr>
+            <a:r>
+              <a:rPr lang="en-US" dirty="0"/>
+              <a:t>Instructions for installing Python (Anaconda) and downloading course files </a:t>
+            </a:r>
+          </a:p>
+          <a:p>
+            <a:pPr lvl="1">
+              <a:spcBef>
+                <a:spcPts val="0"/>
+              </a:spcBef>
+            </a:pPr>
+            <a:r>
+              <a:rPr lang="en-US" dirty="0">
+                <a:hlinkClick r:id="rId2"/>
+              </a:rPr>
+              <a:t>https://jrbrad.people.wm.edu/msbi/</a:t>
+            </a:r>
+            <a:endParaRPr lang="en-US" dirty="0"/>
+          </a:p>
+          <a:p>
+            <a:pPr lvl="1">
+              <a:spcBef>
+                <a:spcPts val="0"/>
+              </a:spcBef>
+            </a:pPr>
+            <a:r>
+              <a:rPr lang="en-US" dirty="0"/>
+              <a:t>Windows and Mac instructions</a:t>
+            </a:r>
+          </a:p>
+          <a:p>
+            <a:pPr lvl="1">
+              <a:spcBef>
+                <a:spcPts val="0"/>
+              </a:spcBef>
+            </a:pPr>
+            <a:r>
+              <a:rPr lang="en-US" dirty="0"/>
+              <a:t>Follow instructions to ensure that you can start and shutdown </a:t>
+            </a:r>
+            <a:r>
+              <a:rPr lang="en-US" dirty="0" err="1"/>
+              <a:t>Jupyter</a:t>
+            </a:r>
+            <a:r>
+              <a:rPr lang="en-US" dirty="0"/>
+              <a:t>. </a:t>
+            </a:r>
+          </a:p>
+          <a:p>
+            <a:pPr marL="0" indent="0">
+              <a:buNone/>
+            </a:pPr>
+            <a:endParaRPr lang="en-US" dirty="0"/>
+          </a:p>
+        </p:txBody>
+      </p:sp>
+      <p:sp>
+        <p:nvSpPr>
+          <p:cNvPr id="4" name="Slide Number Placeholder 3"/>
+          <p:cNvSpPr>
+            <a:spLocks noGrp="1"/>
+          </p:cNvSpPr>
+          <p:nvPr>
+            <p:ph type="sldNum" sz="quarter" idx="12"/>
+          </p:nvPr>
+        </p:nvSpPr>
+        <p:spPr/>
+        <p:txBody>
+          <a:bodyPr/>
+          <a:lstStyle/>
+          <a:p>
+            <a:fld id="{4577FE26-ACD1-4964-932B-823877B1C5B5}" type="slidenum">
+              <a:rPr lang="en-US" smtClean="0"/>
+              <a:t>8</a:t>
+            </a:fld>
+            <a:endParaRPr lang="en-US" dirty="0"/>
+          </a:p>
+        </p:txBody>
+      </p:sp>
+    </p:spTree>
+    <p:extLst>
+      <p:ext uri="{BB962C8B-B14F-4D97-AF65-F5344CB8AC3E}">
+        <p14:creationId xmlns:p14="http://schemas.microsoft.com/office/powerpoint/2010/main" val="3295762390"/>
+      </p:ext>
+    </p:extLst>
+  </p:cSld>
+  <p:clrMapOvr>
+    <a:masterClrMapping/>
+  </p:clrMapOvr>
+</p:sld>
+</file>
+
 <file path=ppt/slides/slide9.xml><?xml version="1.0" encoding="utf-8"?>
 <p:sld xmlns:a="http://schemas.openxmlformats.org/drawingml/2006/main" xmlns:r="http://schemas.openxmlformats.org/officeDocument/2006/relationships" xmlns:p="http://schemas.openxmlformats.org/presentationml/2006/main">
   <p:cSld>
@@ -24379,7 +24355,7 @@
           <a:p>
             <a:r>
               <a:rPr lang="en-US" dirty="0"/>
-              <a:t>Course Content</a:t>
+              <a:t>Installing Python</a:t>
             </a:r>
           </a:p>
         </p:txBody>
@@ -24394,14 +24370,35 @@
             <p:ph idx="1"/>
           </p:nvPr>
         </p:nvSpPr>
-        <p:spPr/>
+        <p:spPr>
+          <a:xfrm>
+            <a:off x="1219200" y="982664"/>
+            <a:ext cx="10596438" cy="5143499"/>
+          </a:xfrm>
+        </p:spPr>
         <p:txBody>
           <a:bodyPr/>
           <a:lstStyle/>
           <a:p>
+            <a:pPr>
+              <a:spcBef>
+                <a:spcPts val="0"/>
+              </a:spcBef>
+            </a:pPr>
             <a:r>
               <a:rPr lang="en-US" dirty="0"/>
-              <a:t>See Jupyter notebook: </a:t>
+              <a:t>Open Jupyter </a:t>
+            </a:r>
+          </a:p>
+          <a:p>
+            <a:pPr>
+              <a:spcBef>
+                <a:spcPts val="0"/>
+              </a:spcBef>
+            </a:pPr>
+            <a:r>
+              <a:rPr lang="en-US" dirty="0"/>
+              <a:t>Open </a:t>
             </a:r>
             <a:r>
               <a:rPr lang="en-US" dirty="0">
@@ -24410,6 +24407,20 @@
               </a:rPr>
               <a:t>Python101MSBI.ipynb</a:t>
             </a:r>
+          </a:p>
+          <a:p>
+            <a:pPr lvl="1">
+              <a:spcBef>
+                <a:spcPts val="0"/>
+              </a:spcBef>
+            </a:pPr>
+            <a:r>
+              <a:rPr lang="en-US" dirty="0"/>
+              <a:t>Contains course content</a:t>
+            </a:r>
+          </a:p>
+          <a:p>
+            <a:endParaRPr lang="en-US" dirty="0"/>
           </a:p>
         </p:txBody>
       </p:sp>
@@ -24436,10 +24447,40 @@
           </a:p>
         </p:txBody>
       </p:sp>
+      <p:pic>
+        <p:nvPicPr>
+          <p:cNvPr id="6" name="Picture 5">
+            <a:extLst>
+              <a:ext uri="{FF2B5EF4-FFF2-40B4-BE49-F238E27FC236}">
+                <a16:creationId xmlns:a16="http://schemas.microsoft.com/office/drawing/2014/main" id="{78A23DA3-2908-4CE4-AA5D-1AB4CBDB1FE0}"/>
+              </a:ext>
+            </a:extLst>
+          </p:cNvPr>
+          <p:cNvPicPr>
+            <a:picLocks noChangeAspect="1"/>
+          </p:cNvPicPr>
+          <p:nvPr/>
+        </p:nvPicPr>
+        <p:blipFill>
+          <a:blip r:embed="rId2"/>
+          <a:stretch>
+            <a:fillRect/>
+          </a:stretch>
+        </p:blipFill>
+        <p:spPr>
+          <a:xfrm>
+            <a:off x="2470484" y="2597858"/>
+            <a:ext cx="7371347" cy="4146383"/>
+          </a:xfrm>
+          <a:prstGeom prst="rect">
+            <a:avLst/>
+          </a:prstGeom>
+        </p:spPr>
+      </p:pic>
     </p:spTree>
     <p:extLst>
       <p:ext uri="{BB962C8B-B14F-4D97-AF65-F5344CB8AC3E}">
-        <p14:creationId xmlns:p14="http://schemas.microsoft.com/office/powerpoint/2010/main" val="3134563410"/>
+        <p14:creationId xmlns:p14="http://schemas.microsoft.com/office/powerpoint/2010/main" val="3224565574"/>
       </p:ext>
     </p:extLst>
   </p:cSld>
